--- a/SVM.pptx
+++ b/SVM.pptx
@@ -4242,6 +4242,96 @@
         </a:p>
       </dgm:t>
     </dgm:pt>
+    <dgm:pt modelId="{968D6083-B4A9-4308-9646-BE8E56140C01}">
+      <dgm:prSet phldr="0" custT="1"/>
+      <dgm:spPr/>
+      <dgm:t>
+        <a:bodyPr/>
+        <a:lstStyle/>
+        <a:p>
+          <a:pPr marL="0">
+            <a:lnSpc>
+              <a:spcPct val="100000"/>
+            </a:lnSpc>
+            <a:buFont typeface="Arial" panose="020B0604020202020204" pitchFamily="34" charset="0"/>
+            <a:buChar char="•"/>
+          </a:pPr>
+          <a:r>
+            <a:rPr lang="en-US" sz="1400" b="0" spc="50" baseline="0" dirty="0">
+              <a:latin typeface="+mn-lt"/>
+            </a:rPr>
+            <a:t>Default (1)</a:t>
+          </a:r>
+        </a:p>
+      </dgm:t>
+    </dgm:pt>
+    <dgm:pt modelId="{8CD1130E-6F44-439F-9E04-078AF06ECD02}" type="parTrans" cxnId="{DD39C101-95C9-4CD4-B450-97757AE30D9F}">
+      <dgm:prSet/>
+      <dgm:spPr/>
+      <dgm:t>
+        <a:bodyPr/>
+        <a:lstStyle/>
+        <a:p>
+          <a:endParaRPr lang="en-US"/>
+        </a:p>
+      </dgm:t>
+    </dgm:pt>
+    <dgm:pt modelId="{ED217777-D274-417E-8D32-8BFAFC3C6348}" type="sibTrans" cxnId="{DD39C101-95C9-4CD4-B450-97757AE30D9F}">
+      <dgm:prSet/>
+      <dgm:spPr/>
+      <dgm:t>
+        <a:bodyPr/>
+        <a:lstStyle/>
+        <a:p>
+          <a:endParaRPr lang="en-US"/>
+        </a:p>
+      </dgm:t>
+    </dgm:pt>
+    <dgm:pt modelId="{E0A418C1-D5F5-4727-ACE6-B2D3E34AD6E3}">
+      <dgm:prSet phldr="0" custT="1"/>
+      <dgm:spPr/>
+      <dgm:t>
+        <a:bodyPr/>
+        <a:lstStyle/>
+        <a:p>
+          <a:pPr marL="0">
+            <a:lnSpc>
+              <a:spcPct val="100000"/>
+            </a:lnSpc>
+            <a:buFont typeface="Arial" panose="020B0604020202020204" pitchFamily="34" charset="0"/>
+            <a:buChar char="•"/>
+          </a:pPr>
+          <a:r>
+            <a:rPr lang="en-US" sz="1400" spc="50" baseline="0" dirty="0">
+              <a:latin typeface="+mn-lt"/>
+            </a:rPr>
+            <a:t>Default (RBF)</a:t>
+          </a:r>
+        </a:p>
+      </dgm:t>
+    </dgm:pt>
+    <dgm:pt modelId="{425B2D11-C2E5-4979-A092-8E0C46930A89}" type="parTrans" cxnId="{FCDAA757-62D3-4B45-B135-3A8CE154D0CB}">
+      <dgm:prSet/>
+      <dgm:spPr/>
+      <dgm:t>
+        <a:bodyPr/>
+        <a:lstStyle/>
+        <a:p>
+          <a:endParaRPr lang="en-US"/>
+        </a:p>
+      </dgm:t>
+    </dgm:pt>
+    <dgm:pt modelId="{F07C7E28-5CC9-44BF-8BC5-FDAE712B6FEF}" type="sibTrans" cxnId="{FCDAA757-62D3-4B45-B135-3A8CE154D0CB}">
+      <dgm:prSet/>
+      <dgm:spPr/>
+      <dgm:t>
+        <a:bodyPr/>
+        <a:lstStyle/>
+        <a:p>
+          <a:endParaRPr lang="en-US"/>
+        </a:p>
+      </dgm:t>
+    </dgm:pt>
     <dgm:pt modelId="{F7545CD0-478A-4E22-ACD1-34230CB45067}" type="pres">
       <dgm:prSet presAssocID="{0DD8915E-DC14-41D6-9BB5-F49E1C265163}" presName="Name0" presStyleCnt="0">
         <dgm:presLayoutVars>
@@ -4336,14 +4426,18 @@
     </dgm:pt>
   </dgm:ptLst>
   <dgm:cxnLst>
+    <dgm:cxn modelId="{DD39C101-95C9-4CD4-B450-97757AE30D9F}" srcId="{73D947E0-108F-4D20-A71E-3CF329F97212}" destId="{968D6083-B4A9-4308-9646-BE8E56140C01}" srcOrd="3" destOrd="0" parTransId="{8CD1130E-6F44-439F-9E04-078AF06ECD02}" sibTransId="{ED217777-D274-417E-8D32-8BFAFC3C6348}"/>
     <dgm:cxn modelId="{F28D7702-2FC3-49BD-BB13-C989E5EE622A}" srcId="{0DD8915E-DC14-41D6-9BB5-F49E1C265163}" destId="{B1AFA1AF-0FF8-45B3-A6D0-0E255A2F637D}" srcOrd="1" destOrd="0" parTransId="{10C68AF5-481C-45AA-A216-8BBBB04515B9}" sibTransId="{88649F7A-400B-4056-965D-C9AC0B3AD942}"/>
+    <dgm:cxn modelId="{39872903-4C88-4DEE-BA56-A8DE3C38AA12}" type="presOf" srcId="{E0A418C1-D5F5-4727-ACE6-B2D3E34AD6E3}" destId="{3D2ADBD4-7E46-429F-BCFB-DC712E4567EB}" srcOrd="0" destOrd="2" presId="urn:microsoft.com/office/officeart/2011/layout/TabList"/>
     <dgm:cxn modelId="{A0077D09-C12C-46D0-8DF7-194B6911362A}" srcId="{0DD8915E-DC14-41D6-9BB5-F49E1C265163}" destId="{73D947E0-108F-4D20-A71E-3CF329F97212}" srcOrd="0" destOrd="0" parTransId="{9D249532-A24D-4D8F-848A-9F42F2E486C9}" sibTransId="{AE813459-65AB-4FA9-B717-330DDA6DFA4E}"/>
     <dgm:cxn modelId="{E4789C13-47DB-4541-BC2D-1DE7055FB803}" type="presOf" srcId="{0DD8915E-DC14-41D6-9BB5-F49E1C265163}" destId="{F7545CD0-478A-4E22-ACD1-34230CB45067}" srcOrd="0" destOrd="0" presId="urn:microsoft.com/office/officeart/2011/layout/TabList"/>
     <dgm:cxn modelId="{9E98CF19-2380-47A4-9FE2-D937B17627B1}" srcId="{B1AFA1AF-0FF8-45B3-A6D0-0E255A2F637D}" destId="{D0910F5A-343C-48BE-A5E8-DF23ED4B31E6}" srcOrd="2" destOrd="0" parTransId="{0F1D568C-D43F-49B4-8F2C-C68861CA492E}" sibTransId="{57339FE4-7F34-4774-9132-FA445CF33EBD}"/>
     <dgm:cxn modelId="{5A5BA622-5DEB-48B9-88D9-C1DE36C711E5}" srcId="{B1AFA1AF-0FF8-45B3-A6D0-0E255A2F637D}" destId="{50418D2B-9486-42DE-AFDD-1D31420040FF}" srcOrd="0" destOrd="0" parTransId="{D5A17F6B-93F5-442B-938A-0F38C281BE88}" sibTransId="{1D87A0A5-8024-4710-846B-D5BFAC785107}"/>
     <dgm:cxn modelId="{6FEAA462-4F2F-40AA-BB55-BCBAE19340F8}" srcId="{B1AFA1AF-0FF8-45B3-A6D0-0E255A2F637D}" destId="{2969322E-3C36-4F57-B7C3-31A3D173424D}" srcOrd="1" destOrd="0" parTransId="{D5002F79-9945-489A-9883-CCEF06F950D8}" sibTransId="{A002D83F-DD9F-4C38-9455-985D363BF77E}"/>
     <dgm:cxn modelId="{5E3BC848-1531-4403-A085-5A6A06808015}" srcId="{73D947E0-108F-4D20-A71E-3CF329F97212}" destId="{785AC6C8-D3EE-4048-BCA8-4AAD378C9EA5}" srcOrd="2" destOrd="0" parTransId="{BE53BC9A-32B7-4B59-9EBA-27DD0B555F0E}" sibTransId="{0889B297-0D2E-4E5E-A5ED-6C9309502434}"/>
+    <dgm:cxn modelId="{FCDAA757-62D3-4B45-B135-3A8CE154D0CB}" srcId="{B1AFA1AF-0FF8-45B3-A6D0-0E255A2F637D}" destId="{E0A418C1-D5F5-4727-ACE6-B2D3E34AD6E3}" srcOrd="3" destOrd="0" parTransId="{425B2D11-C2E5-4979-A092-8E0C46930A89}" sibTransId="{F07C7E28-5CC9-44BF-8BC5-FDAE712B6FEF}"/>
     <dgm:cxn modelId="{245D287D-A3F8-4F59-8C68-EAF27FDB8395}" type="presOf" srcId="{10CCA1EC-1C3A-478A-BBD4-0BEAED987BFF}" destId="{B51A8CA1-350D-4FE0-B017-6CF1492DC0B7}" srcOrd="0" destOrd="0" presId="urn:microsoft.com/office/officeart/2011/layout/TabList"/>
+    <dgm:cxn modelId="{4542B992-459B-4790-83C7-1AFE28A3A95E}" type="presOf" srcId="{968D6083-B4A9-4308-9646-BE8E56140C01}" destId="{B51A8CA1-350D-4FE0-B017-6CF1492DC0B7}" srcOrd="0" destOrd="2" presId="urn:microsoft.com/office/officeart/2011/layout/TabList"/>
     <dgm:cxn modelId="{E1A2A098-31A1-4C28-81EB-58BD02F21528}" type="presOf" srcId="{785AC6C8-D3EE-4048-BCA8-4AAD378C9EA5}" destId="{B51A8CA1-350D-4FE0-B017-6CF1492DC0B7}" srcOrd="0" destOrd="1" presId="urn:microsoft.com/office/officeart/2011/layout/TabList"/>
     <dgm:cxn modelId="{4696649B-065F-487F-A2FD-68525959CF5A}" type="presOf" srcId="{B1AFA1AF-0FF8-45B3-A6D0-0E255A2F637D}" destId="{93B5D3B3-7B11-454B-9898-D3A359B38DA7}" srcOrd="0" destOrd="0" presId="urn:microsoft.com/office/officeart/2011/layout/TabList"/>
     <dgm:cxn modelId="{A29024A1-3B68-41CD-B27D-59B8757934A6}" srcId="{73D947E0-108F-4D20-A71E-3CF329F97212}" destId="{10CCA1EC-1C3A-478A-BBD4-0BEAED987BFF}" srcOrd="1" destOrd="0" parTransId="{084E4A7C-6F6A-4C78-B9C8-F2DC1A141376}" sibTransId="{7909E01D-A967-4649-BF00-74ED9A73A91C}"/>
@@ -6662,6 +6756,27 @@
             <a:latin typeface="+mn-lt"/>
           </a:endParaRPr>
         </a:p>
+        <a:p>
+          <a:pPr marL="0" lvl="1" indent="-114300" algn="l" defTabSz="622300">
+            <a:lnSpc>
+              <a:spcPct val="100000"/>
+            </a:lnSpc>
+            <a:spcBef>
+              <a:spcPct val="0"/>
+            </a:spcBef>
+            <a:spcAft>
+              <a:spcPct val="15000"/>
+            </a:spcAft>
+            <a:buFont typeface="Arial" panose="020B0604020202020204" pitchFamily="34" charset="0"/>
+            <a:buChar char="•"/>
+          </a:pPr>
+          <a:r>
+            <a:rPr lang="en-US" sz="1400" b="0" kern="1200" spc="50" baseline="0" dirty="0">
+              <a:latin typeface="+mn-lt"/>
+            </a:rPr>
+            <a:t>Default (1)</a:t>
+          </a:r>
+        </a:p>
       </dsp:txBody>
       <dsp:txXfrm>
         <a:off x="0" y="619596"/>
@@ -6912,6 +7027,27 @@
           <a:endParaRPr lang="en-US" sz="1400" kern="1200" spc="50" baseline="0" dirty="0">
             <a:latin typeface="+mn-lt"/>
           </a:endParaRPr>
+        </a:p>
+        <a:p>
+          <a:pPr marL="0" lvl="1" indent="-114300" algn="l" defTabSz="622300">
+            <a:lnSpc>
+              <a:spcPct val="100000"/>
+            </a:lnSpc>
+            <a:spcBef>
+              <a:spcPct val="0"/>
+            </a:spcBef>
+            <a:spcAft>
+              <a:spcPct val="15000"/>
+            </a:spcAft>
+            <a:buFont typeface="Arial" panose="020B0604020202020204" pitchFamily="34" charset="0"/>
+            <a:buChar char="•"/>
+          </a:pPr>
+          <a:r>
+            <a:rPr lang="en-US" sz="1400" kern="1200" spc="50" baseline="0" dirty="0">
+              <a:latin typeface="+mn-lt"/>
+            </a:rPr>
+            <a:t>Default (RBF)</a:t>
+          </a:r>
         </a:p>
       </dsp:txBody>
       <dsp:txXfrm>
@@ -11169,7 +11305,7 @@
           <a:p>
             <a:fld id="{B56F32FC-4BD9-442A-A8C6-51598C909FE3}" type="datetimeFigureOut">
               <a:rPr lang="en-US" smtClean="0"/>
-              <a:t>11/14/2022</a:t>
+              <a:t>11/18/2022</a:t>
             </a:fld>
             <a:endParaRPr lang="en-US" dirty="0"/>
           </a:p>
@@ -11346,7 +11482,7 @@
           <a:p>
             <a:fld id="{056371FA-A98D-41E8-93F4-09945841298A}" type="datetimeFigureOut">
               <a:rPr lang="en-US" smtClean="0"/>
-              <a:t>11/14/2022</a:t>
+              <a:t>11/18/2022</a:t>
             </a:fld>
             <a:endParaRPr lang="en-US" dirty="0"/>
           </a:p>
@@ -11658,134 +11794,9 @@
           <a:lstStyle/>
           <a:p>
             <a:r>
-              <a:rPr lang="en-US" b="1" dirty="0"/>
-              <a:t>When to Use It?</a:t>
-            </a:r>
-          </a:p>
-          <a:p>
-            <a:pPr>
-              <a:buFont typeface="Arial" panose="020B0604020202020204" pitchFamily="34" charset="0"/>
-              <a:buChar char="•"/>
-            </a:pPr>
-            <a:r>
               <a:rPr lang="en-US" dirty="0"/>
-              <a:t>Problems with a binary target variable</a:t>
-            </a:r>
-          </a:p>
-          <a:p>
-            <a:pPr>
-              <a:buFont typeface="Arial" panose="020B0604020202020204" pitchFamily="34" charset="0"/>
-              <a:buChar char="•"/>
-            </a:pPr>
-            <a:r>
-              <a:rPr lang="en-US" dirty="0"/>
-              <a:t>Feature-to-row ratio is very high</a:t>
-            </a:r>
-          </a:p>
-          <a:p>
-            <a:r>
-              <a:rPr lang="en-US" dirty="0"/>
-              <a:t>Most algorithms prefer lots of observations to be able to classify a new observation. Whereas SVM prefers to have MANY features a little rows to be able to classify a new observation</a:t>
-            </a:r>
-          </a:p>
-          <a:p>
-            <a:pPr>
-              <a:buFont typeface="Arial" panose="020B0604020202020204" pitchFamily="34" charset="0"/>
-              <a:buChar char="•"/>
-            </a:pPr>
-            <a:r>
-              <a:rPr lang="en-US" dirty="0"/>
-              <a:t>Very complex relationships</a:t>
-            </a:r>
-          </a:p>
-          <a:p>
-            <a:pPr>
-              <a:buFont typeface="Arial" panose="020B0604020202020204" pitchFamily="34" charset="0"/>
-              <a:buChar char="•"/>
-            </a:pPr>
-            <a:r>
-              <a:rPr lang="en-US" dirty="0"/>
-              <a:t>Lots of outliers</a:t>
-            </a:r>
-          </a:p>
-          <a:p>
-            <a:r>
-              <a:rPr lang="en-US" dirty="0"/>
-              <a:t>Because if we refer back to figure 2 it only looks at the points closest to the line, so the outliers are kind of ignored. Which is not true for other algorithms</a:t>
-            </a:r>
-          </a:p>
-          <a:p>
-            <a:r>
-              <a:rPr lang="en-US" b="1" dirty="0"/>
-              <a:t>When Not to Use It?</a:t>
-            </a:r>
-          </a:p>
-          <a:p>
-            <a:pPr>
-              <a:buFont typeface="Arial" panose="020B0604020202020204" pitchFamily="34" charset="0"/>
-              <a:buChar char="•"/>
-            </a:pPr>
-            <a:r>
-              <a:rPr lang="en-US" dirty="0"/>
-              <a:t>If time and compute power is a significant constraint</a:t>
-            </a:r>
-          </a:p>
-          <a:p>
-            <a:r>
-              <a:rPr lang="en-US" dirty="0"/>
-              <a:t>Because SVM takes a long time to train and takes longer than other algorithms to make predictions as well.</a:t>
-            </a:r>
-          </a:p>
-          <a:p>
-            <a:r>
-              <a:rPr lang="en-US" b="1" dirty="0"/>
-              <a:t>Use Cases:</a:t>
-            </a:r>
-          </a:p>
-          <a:p>
-            <a:pPr>
-              <a:buFont typeface="Arial" panose="020B0604020202020204" pitchFamily="34" charset="0"/>
-              <a:buChar char="•"/>
-            </a:pPr>
-            <a:r>
-              <a:rPr lang="en-US" b="1" dirty="0"/>
-              <a:t>Face detection</a:t>
-            </a:r>
-            <a:r>
-              <a:rPr lang="en-US" dirty="0"/>
-              <a:t> – SVMs classify parts of the image as a face and non-face and create a square boundary around the face.</a:t>
-            </a:r>
-          </a:p>
-          <a:p>
-            <a:pPr>
-              <a:buFont typeface="Arial" panose="020B0604020202020204" pitchFamily="34" charset="0"/>
-              <a:buChar char="•"/>
-            </a:pPr>
-            <a:r>
-              <a:rPr lang="en-US" b="1" dirty="0"/>
-              <a:t>Bioinformatics</a:t>
-            </a:r>
-            <a:r>
-              <a:rPr lang="en-US" dirty="0"/>
-              <a:t> – It includes protein classification and cancer classification. We use SVM for identifying the classification of genes, patients on the basis of genes and other biological problems.</a:t>
-            </a:r>
-          </a:p>
-          <a:p>
-            <a:pPr>
-              <a:buFont typeface="Arial" panose="020B0604020202020204" pitchFamily="34" charset="0"/>
-              <a:buChar char="•"/>
-            </a:pPr>
-            <a:r>
-              <a:rPr lang="en-US" b="1" dirty="0"/>
-              <a:t>Handwriting recognition</a:t>
-            </a:r>
-            <a:r>
-              <a:rPr lang="en-US" dirty="0"/>
-              <a:t> – We use SVMs to recognize handwritten characters used widely.</a:t>
-            </a:r>
-          </a:p>
-          <a:p>
-            <a:endParaRPr lang="en-US" dirty="0"/>
+              <a:t>SVM can be used for regression, but we’re only going to focus on classification for today</a:t>
+            </a:r>
           </a:p>
         </p:txBody>
       </p:sp>
@@ -11806,7 +11817,7 @@
           <a:p>
             <a:fld id="{22289C57-55D7-40A4-A101-E74FAC7A092B}" type="slidenum">
               <a:rPr lang="en-US" smtClean="0"/>
-              <a:t>7</a:t>
+              <a:t>3</a:t>
             </a:fld>
             <a:endParaRPr lang="en-US" dirty="0"/>
           </a:p>
@@ -11815,7 +11826,7 @@
     </p:spTree>
     <p:extLst>
       <p:ext uri="{BB962C8B-B14F-4D97-AF65-F5344CB8AC3E}">
-        <p14:creationId xmlns:p14="http://schemas.microsoft.com/office/powerpoint/2010/main" val="1078954374"/>
+        <p14:creationId xmlns:p14="http://schemas.microsoft.com/office/powerpoint/2010/main" val="1092479803"/>
       </p:ext>
     </p:extLst>
   </p:cSld>
@@ -11871,42 +11882,133 @@
           <a:p>
             <a:r>
               <a:rPr lang="en-US" b="1" dirty="0"/>
-              <a:t>Library:</a:t>
-            </a:r>
-          </a:p>
-          <a:p>
+              <a:t>When to Use It?</a:t>
+            </a:r>
+          </a:p>
+          <a:p>
+            <a:pPr>
+              <a:buFont typeface="Arial" panose="020B0604020202020204" pitchFamily="34" charset="0"/>
+              <a:buChar char="•"/>
+            </a:pPr>
             <a:r>
               <a:rPr lang="en-US" dirty="0"/>
-              <a:t>To use this algorithm with python we will use the scikit-learn (</a:t>
-            </a:r>
-            <a:r>
-              <a:rPr lang="en-US" dirty="0" err="1"/>
-              <a:t>sklearn</a:t>
-            </a:r>
+              <a:t>Problems with a binary target variable</a:t>
+            </a:r>
+          </a:p>
+          <a:p>
+            <a:pPr>
+              <a:buFont typeface="Arial" panose="020B0604020202020204" pitchFamily="34" charset="0"/>
+              <a:buChar char="•"/>
+            </a:pPr>
             <a:r>
               <a:rPr lang="en-US" dirty="0"/>
-              <a:t>) library which provides many classification, regression and clustering algorithms including </a:t>
-            </a:r>
+              <a:t>Feature-to-row ratio is very high</a:t>
+            </a:r>
+          </a:p>
+          <a:p>
+            <a:r>
+              <a:rPr lang="en-US" dirty="0"/>
+              <a:t>Most algorithms prefer lots of observations to be able to classify a new observation. Whereas SVM prefers to have MANY features a little rows to be able to classify a new observation</a:t>
+            </a:r>
+          </a:p>
+          <a:p>
+            <a:pPr>
+              <a:buFont typeface="Arial" panose="020B0604020202020204" pitchFamily="34" charset="0"/>
+              <a:buChar char="•"/>
+            </a:pPr>
+            <a:r>
+              <a:rPr lang="en-US" dirty="0"/>
+              <a:t>Very complex relationships</a:t>
+            </a:r>
+          </a:p>
+          <a:p>
+            <a:pPr>
+              <a:buFont typeface="Arial" panose="020B0604020202020204" pitchFamily="34" charset="0"/>
+              <a:buChar char="•"/>
+            </a:pPr>
+            <a:r>
+              <a:rPr lang="en-US" dirty="0"/>
+              <a:t>Lots of outliers</a:t>
+            </a:r>
+          </a:p>
+          <a:p>
+            <a:r>
+              <a:rPr lang="en-US" dirty="0"/>
+              <a:t>Because if we refer back to figure 2 it only looks at the points closest to the line, so the outliers are kind of ignored. Which is not true for other algorithms</a:t>
+            </a:r>
+          </a:p>
+          <a:p>
             <a:r>
               <a:rPr lang="en-US" b="1" dirty="0"/>
-              <a:t>SVM</a:t>
-            </a:r>
+              <a:t>When Not to Use It?</a:t>
+            </a:r>
+          </a:p>
+          <a:p>
+            <a:pPr>
+              <a:buFont typeface="Arial" panose="020B0604020202020204" pitchFamily="34" charset="0"/>
+              <a:buChar char="•"/>
+            </a:pPr>
             <a:r>
               <a:rPr lang="en-US" dirty="0"/>
-              <a:t>.</a:t>
+              <a:t>If time and compute power is a significant constraint</a:t>
+            </a:r>
+          </a:p>
+          <a:p>
+            <a:r>
+              <a:rPr lang="en-US" dirty="0"/>
+              <a:t>Because SVM takes a long time to train and takes longer than other algorithms to make predictions as well.</a:t>
             </a:r>
           </a:p>
           <a:p>
             <a:r>
               <a:rPr lang="en-US" b="1" dirty="0"/>
-              <a:t>Platform:</a:t>
-            </a:r>
-          </a:p>
-          <a:p>
+              <a:t>Use Cases:</a:t>
+            </a:r>
+          </a:p>
+          <a:p>
+            <a:pPr>
+              <a:buFont typeface="Arial" panose="020B0604020202020204" pitchFamily="34" charset="0"/>
+              <a:buChar char="•"/>
+            </a:pPr>
+            <a:r>
+              <a:rPr lang="en-US" b="1" dirty="0"/>
+              <a:t>Face detection</a:t>
+            </a:r>
             <a:r>
               <a:rPr lang="en-US" dirty="0"/>
-              <a:t>VS code</a:t>
-            </a:r>
+              <a:t> – SVMs classify parts of the image as a face and non-face and create a square boundary around the face.</a:t>
+            </a:r>
+          </a:p>
+          <a:p>
+            <a:pPr>
+              <a:buFont typeface="Arial" panose="020B0604020202020204" pitchFamily="34" charset="0"/>
+              <a:buChar char="•"/>
+            </a:pPr>
+            <a:r>
+              <a:rPr lang="en-US" b="1" dirty="0"/>
+              <a:t>Bioinformatics</a:t>
+            </a:r>
+            <a:r>
+              <a:rPr lang="en-US" dirty="0"/>
+              <a:t> – It includes protein classification and cancer classification. We use SVM for identifying the classification of genes, patients on the basis of genes and other biological problems.</a:t>
+            </a:r>
+          </a:p>
+          <a:p>
+            <a:pPr>
+              <a:buFont typeface="Arial" panose="020B0604020202020204" pitchFamily="34" charset="0"/>
+              <a:buChar char="•"/>
+            </a:pPr>
+            <a:r>
+              <a:rPr lang="en-US" b="1" dirty="0"/>
+              <a:t>Handwriting recognition</a:t>
+            </a:r>
+            <a:r>
+              <a:rPr lang="en-US" dirty="0"/>
+              <a:t> – We use SVMs to recognize handwritten characters used widely.</a:t>
+            </a:r>
+          </a:p>
+          <a:p>
+            <a:endParaRPr lang="en-US" dirty="0"/>
           </a:p>
         </p:txBody>
       </p:sp>
@@ -11927,7 +12029,7 @@
           <a:p>
             <a:fld id="{22289C57-55D7-40A4-A101-E74FAC7A092B}" type="slidenum">
               <a:rPr lang="en-US" smtClean="0"/>
-              <a:t>9</a:t>
+              <a:t>7</a:t>
             </a:fld>
             <a:endParaRPr lang="en-US" dirty="0"/>
           </a:p>
@@ -11936,7 +12038,7 @@
     </p:spTree>
     <p:extLst>
       <p:ext uri="{BB962C8B-B14F-4D97-AF65-F5344CB8AC3E}">
-        <p14:creationId xmlns:p14="http://schemas.microsoft.com/office/powerpoint/2010/main" val="3581661581"/>
+        <p14:creationId xmlns:p14="http://schemas.microsoft.com/office/powerpoint/2010/main" val="1078954374"/>
       </p:ext>
     </p:extLst>
   </p:cSld>
@@ -11992,135 +12094,107 @@
           <a:p>
             <a:r>
               <a:rPr lang="en-US" b="1" dirty="0"/>
-              <a:t>Hyperparameters:</a:t>
-            </a:r>
-          </a:p>
-          <a:p>
+              <a:t>Library:</a:t>
+            </a:r>
+          </a:p>
+          <a:p>
+            <a:r>
+              <a:rPr lang="en-US" dirty="0"/>
+              <a:t>To use this algorithm with python we will use the scikit-learn (</a:t>
+            </a:r>
+            <a:r>
+              <a:rPr lang="en-US" dirty="0" err="1"/>
+              <a:t>sklearn</a:t>
+            </a:r>
+            <a:r>
+              <a:rPr lang="en-US" dirty="0"/>
+              <a:t>) library which provides many classification, regression and clustering algorithms including </a:t>
+            </a:r>
             <a:r>
               <a:rPr lang="en-US" b="1" dirty="0"/>
-              <a:t>Parameters</a:t>
+              <a:t>SVM</a:t>
             </a:r>
             <a:r>
               <a:rPr lang="en-US" dirty="0"/>
-              <a:t>: are configuration variables that are </a:t>
-            </a:r>
+              <a:t>.</a:t>
+            </a:r>
+          </a:p>
+          <a:p>
             <a:r>
               <a:rPr lang="en-US" b="1" dirty="0"/>
-              <a:t>internal</a:t>
-            </a:r>
+              <a:t>Platform:</a:t>
+            </a:r>
+          </a:p>
+          <a:p>
             <a:r>
               <a:rPr lang="en-US" dirty="0"/>
-              <a:t> to the model and whose values can be estimated </a:t>
-            </a:r>
-            <a:r>
-              <a:rPr lang="en-US" b="1" dirty="0"/>
-              <a:t>from the training data.</a:t>
-            </a:r>
+              <a:t>VS code</a:t>
+            </a:r>
+          </a:p>
+          <a:p>
+            <a:pPr marL="0" indent="0">
+              <a:buNone/>
+            </a:pPr>
             <a:endParaRPr lang="en-US" dirty="0"/>
           </a:p>
           <a:p>
-            <a:pPr>
-              <a:buFont typeface="Arial" panose="020B0604020202020204" pitchFamily="34" charset="0"/>
-              <a:buChar char="•"/>
+            <a:pPr marL="228600" indent="-228600">
+              <a:buAutoNum type="arabicPeriod"/>
             </a:pPr>
             <a:r>
               <a:rPr lang="en-US" dirty="0"/>
-              <a:t>is found after you train the model on the data</a:t>
-            </a:r>
-          </a:p>
-          <a:p>
-            <a:pPr>
-              <a:buFont typeface="Arial" panose="020B0604020202020204" pitchFamily="34" charset="0"/>
-              <a:buChar char="•"/>
+              <a:t>Load the data</a:t>
+            </a:r>
+          </a:p>
+          <a:p>
+            <a:pPr marL="228600" indent="-228600">
+              <a:buAutoNum type="arabicPeriod"/>
             </a:pPr>
             <a:r>
               <a:rPr lang="en-US" dirty="0"/>
-              <a:t>titanic dataset example: titanic dataset → fare = $20 or ticket class = third</a:t>
-            </a:r>
-          </a:p>
-          <a:p>
-            <a:pPr>
-              <a:buFont typeface="Arial" panose="020B0604020202020204" pitchFamily="34" charset="0"/>
-              <a:buChar char="•"/>
+              <a:t>Split the data into train and test samples</a:t>
+            </a:r>
+          </a:p>
+          <a:p>
+            <a:pPr marL="228600" indent="-228600">
+              <a:buAutoNum type="arabicPeriod"/>
             </a:pPr>
             <a:r>
               <a:rPr lang="en-US" dirty="0"/>
-              <a:t>differs depending on the dataset</a:t>
-            </a:r>
-          </a:p>
-          <a:p>
-            <a:r>
-              <a:rPr lang="en-US" b="1" dirty="0"/>
-              <a:t>Hyperparameters</a:t>
-            </a:r>
+              <a:t>Classify the predictor features and target feature</a:t>
+            </a:r>
+          </a:p>
+          <a:p>
+            <a:pPr marL="228600" indent="-228600">
+              <a:buAutoNum type="arabicPeriod"/>
+            </a:pPr>
             <a:r>
               <a:rPr lang="en-US" dirty="0"/>
-              <a:t>: are configurations that are </a:t>
-            </a:r>
-            <a:r>
-              <a:rPr lang="en-US" b="1" dirty="0"/>
-              <a:t>external</a:t>
-            </a:r>
+              <a:t>Initialize the SVM and fit the training data</a:t>
+            </a:r>
+          </a:p>
+          <a:p>
+            <a:pPr marL="228600" indent="-228600">
+              <a:buAutoNum type="arabicPeriod"/>
+            </a:pPr>
             <a:r>
               <a:rPr lang="en-US" dirty="0"/>
-              <a:t> to the model, whose values </a:t>
-            </a:r>
-            <a:r>
-              <a:rPr lang="en-US" b="1" dirty="0"/>
-              <a:t>cannot be estimated from the data,</a:t>
-            </a:r>
+              <a:t>Predict the classes for the test set</a:t>
+            </a:r>
+          </a:p>
+          <a:p>
+            <a:pPr marL="228600" indent="-228600">
+              <a:buAutoNum type="arabicPeriod"/>
+            </a:pPr>
             <a:r>
               <a:rPr lang="en-US" dirty="0"/>
-              <a:t> and whose values guide how the algorithm learns parameter values from the data</a:t>
-            </a:r>
-          </a:p>
-          <a:p>
-            <a:pPr>
-              <a:buFont typeface="Arial" panose="020B0604020202020204" pitchFamily="34" charset="0"/>
-              <a:buChar char="•"/>
+              <a:t>Compare the actual data predictions</a:t>
+            </a:r>
+          </a:p>
+          <a:p>
+            <a:pPr marL="228600" indent="-228600">
+              <a:buAutoNum type="arabicPeriod"/>
             </a:pPr>
-            <a:r>
-              <a:rPr lang="en-US" dirty="0"/>
-              <a:t>should be set before you fit the model on the training data</a:t>
-            </a:r>
-          </a:p>
-          <a:p>
-            <a:pPr>
-              <a:buFont typeface="Arial" panose="020B0604020202020204" pitchFamily="34" charset="0"/>
-              <a:buChar char="•"/>
-            </a:pPr>
-            <a:r>
-              <a:rPr lang="en-US" dirty="0"/>
-              <a:t>titanic dataset example: which features to consider from the dataset</a:t>
-            </a:r>
-          </a:p>
-          <a:p>
-            <a:pPr>
-              <a:buFont typeface="Arial" panose="020B0604020202020204" pitchFamily="34" charset="0"/>
-              <a:buChar char="•"/>
-            </a:pPr>
-            <a:r>
-              <a:rPr lang="en-US" dirty="0"/>
-              <a:t>differs depending of the algorithm</a:t>
-            </a:r>
-          </a:p>
-          <a:p>
-            <a:pPr>
-              <a:buFont typeface="Arial" panose="020B0604020202020204" pitchFamily="34" charset="0"/>
-              <a:buChar char="•"/>
-            </a:pPr>
-            <a:r>
-              <a:rPr lang="en-US" dirty="0"/>
-              <a:t>can lead overfitting or underfitting</a:t>
-            </a:r>
-          </a:p>
-          <a:p>
-            <a:r>
-              <a:rPr lang="en-US" dirty="0"/>
-              <a:t>We shouldn’t try to change all the hyperparameters, only change the ones that are most impactful.</a:t>
-            </a:r>
-          </a:p>
-          <a:p>
             <a:endParaRPr lang="en-US" dirty="0"/>
           </a:p>
         </p:txBody>
@@ -12142,6 +12216,221 @@
           <a:p>
             <a:fld id="{22289C57-55D7-40A4-A101-E74FAC7A092B}" type="slidenum">
               <a:rPr lang="en-US" smtClean="0"/>
+              <a:t>9</a:t>
+            </a:fld>
+            <a:endParaRPr lang="en-US" dirty="0"/>
+          </a:p>
+        </p:txBody>
+      </p:sp>
+    </p:spTree>
+    <p:extLst>
+      <p:ext uri="{BB962C8B-B14F-4D97-AF65-F5344CB8AC3E}">
+        <p14:creationId xmlns:p14="http://schemas.microsoft.com/office/powerpoint/2010/main" val="3581661581"/>
+      </p:ext>
+    </p:extLst>
+  </p:cSld>
+  <p:clrMapOvr>
+    <a:masterClrMapping/>
+  </p:clrMapOvr>
+</p:notes>
+</file>
+
+<file path=ppt/notesSlides/notesSlide4.xml><?xml version="1.0" encoding="utf-8"?>
+<p:notes xmlns:a="http://schemas.openxmlformats.org/drawingml/2006/main" xmlns:r="http://schemas.openxmlformats.org/officeDocument/2006/relationships" xmlns:p="http://schemas.openxmlformats.org/presentationml/2006/main">
+  <p:cSld>
+    <p:spTree>
+      <p:nvGrpSpPr>
+        <p:cNvPr id="1" name=""/>
+        <p:cNvGrpSpPr/>
+        <p:nvPr/>
+      </p:nvGrpSpPr>
+      <p:grpSpPr>
+        <a:xfrm>
+          <a:off x="0" y="0"/>
+          <a:ext cx="0" cy="0"/>
+          <a:chOff x="0" y="0"/>
+          <a:chExt cx="0" cy="0"/>
+        </a:xfrm>
+      </p:grpSpPr>
+      <p:sp>
+        <p:nvSpPr>
+          <p:cNvPr id="2" name="Slide Image Placeholder 1"/>
+          <p:cNvSpPr>
+            <a:spLocks noGrp="1" noRot="1" noChangeAspect="1"/>
+          </p:cNvSpPr>
+          <p:nvPr>
+            <p:ph type="sldImg"/>
+          </p:nvPr>
+        </p:nvSpPr>
+        <p:spPr/>
+      </p:sp>
+      <p:sp>
+        <p:nvSpPr>
+          <p:cNvPr id="3" name="Notes Placeholder 2"/>
+          <p:cNvSpPr>
+            <a:spLocks noGrp="1"/>
+          </p:cNvSpPr>
+          <p:nvPr>
+            <p:ph type="body" idx="1"/>
+          </p:nvPr>
+        </p:nvSpPr>
+        <p:spPr/>
+        <p:txBody>
+          <a:bodyPr/>
+          <a:lstStyle/>
+          <a:p>
+            <a:r>
+              <a:rPr lang="en-US" b="1" dirty="0"/>
+              <a:t>Hyperparameters:</a:t>
+            </a:r>
+          </a:p>
+          <a:p>
+            <a:r>
+              <a:rPr lang="en-US" b="1" dirty="0"/>
+              <a:t>Parameters</a:t>
+            </a:r>
+            <a:r>
+              <a:rPr lang="en-US" dirty="0"/>
+              <a:t>: are configuration variables that are </a:t>
+            </a:r>
+            <a:r>
+              <a:rPr lang="en-US" b="1" dirty="0"/>
+              <a:t>internal</a:t>
+            </a:r>
+            <a:r>
+              <a:rPr lang="en-US" dirty="0"/>
+              <a:t> to the model and whose values can be estimated </a:t>
+            </a:r>
+            <a:r>
+              <a:rPr lang="en-US" b="1" dirty="0"/>
+              <a:t>from the training data.</a:t>
+            </a:r>
+            <a:endParaRPr lang="en-US" dirty="0"/>
+          </a:p>
+          <a:p>
+            <a:pPr>
+              <a:buFont typeface="Arial" panose="020B0604020202020204" pitchFamily="34" charset="0"/>
+              <a:buChar char="•"/>
+            </a:pPr>
+            <a:r>
+              <a:rPr lang="en-US" dirty="0"/>
+              <a:t>is found after you train the model on the data</a:t>
+            </a:r>
+          </a:p>
+          <a:p>
+            <a:pPr>
+              <a:buFont typeface="Arial" panose="020B0604020202020204" pitchFamily="34" charset="0"/>
+              <a:buChar char="•"/>
+            </a:pPr>
+            <a:r>
+              <a:rPr lang="en-US" dirty="0"/>
+              <a:t>titanic dataset example: titanic dataset → fare = $20 or ticket class = third</a:t>
+            </a:r>
+          </a:p>
+          <a:p>
+            <a:pPr>
+              <a:buFont typeface="Arial" panose="020B0604020202020204" pitchFamily="34" charset="0"/>
+              <a:buChar char="•"/>
+            </a:pPr>
+            <a:r>
+              <a:rPr lang="en-US" dirty="0"/>
+              <a:t>differs depending on the dataset</a:t>
+            </a:r>
+          </a:p>
+          <a:p>
+            <a:r>
+              <a:rPr lang="en-US" b="1" dirty="0"/>
+              <a:t>Hyperparameters</a:t>
+            </a:r>
+            <a:r>
+              <a:rPr lang="en-US" dirty="0"/>
+              <a:t>: are configurations that are </a:t>
+            </a:r>
+            <a:r>
+              <a:rPr lang="en-US" b="1" dirty="0"/>
+              <a:t>external</a:t>
+            </a:r>
+            <a:r>
+              <a:rPr lang="en-US" dirty="0"/>
+              <a:t> to the model, whose values </a:t>
+            </a:r>
+            <a:r>
+              <a:rPr lang="en-US" b="1" dirty="0"/>
+              <a:t>cannot be estimated from the data,</a:t>
+            </a:r>
+            <a:r>
+              <a:rPr lang="en-US" dirty="0"/>
+              <a:t> and whose values guide how the algorithm learns parameter values from the data</a:t>
+            </a:r>
+          </a:p>
+          <a:p>
+            <a:pPr>
+              <a:buFont typeface="Arial" panose="020B0604020202020204" pitchFamily="34" charset="0"/>
+              <a:buChar char="•"/>
+            </a:pPr>
+            <a:r>
+              <a:rPr lang="en-US" dirty="0"/>
+              <a:t>should be set before you fit the model on the training data</a:t>
+            </a:r>
+          </a:p>
+          <a:p>
+            <a:pPr>
+              <a:buFont typeface="Arial" panose="020B0604020202020204" pitchFamily="34" charset="0"/>
+              <a:buChar char="•"/>
+            </a:pPr>
+            <a:r>
+              <a:rPr lang="en-US" dirty="0"/>
+              <a:t>titanic dataset example: which features to consider from the dataset</a:t>
+            </a:r>
+          </a:p>
+          <a:p>
+            <a:pPr>
+              <a:buFont typeface="Arial" panose="020B0604020202020204" pitchFamily="34" charset="0"/>
+              <a:buChar char="•"/>
+            </a:pPr>
+            <a:r>
+              <a:rPr lang="en-US" dirty="0"/>
+              <a:t>differs depending of the algorithm</a:t>
+            </a:r>
+          </a:p>
+          <a:p>
+            <a:pPr>
+              <a:buFont typeface="Arial" panose="020B0604020202020204" pitchFamily="34" charset="0"/>
+              <a:buChar char="•"/>
+            </a:pPr>
+            <a:r>
+              <a:rPr lang="en-US" dirty="0"/>
+              <a:t>can lead overfitting or underfitting</a:t>
+            </a:r>
+          </a:p>
+          <a:p>
+            <a:r>
+              <a:rPr lang="en-US" dirty="0"/>
+              <a:t>We shouldn’t try to change all the hyperparameters, only change the ones that are most impactful.</a:t>
+            </a:r>
+          </a:p>
+          <a:p>
+            <a:endParaRPr lang="en-US" dirty="0"/>
+          </a:p>
+        </p:txBody>
+      </p:sp>
+      <p:sp>
+        <p:nvSpPr>
+          <p:cNvPr id="4" name="Slide Number Placeholder 3"/>
+          <p:cNvSpPr>
+            <a:spLocks noGrp="1"/>
+          </p:cNvSpPr>
+          <p:nvPr>
+            <p:ph type="sldNum" sz="quarter" idx="5"/>
+          </p:nvPr>
+        </p:nvSpPr>
+        <p:spPr/>
+        <p:txBody>
+          <a:bodyPr/>
+          <a:lstStyle/>
+          <a:p>
+            <a:fld id="{22289C57-55D7-40A4-A101-E74FAC7A092B}" type="slidenum">
+              <a:rPr lang="en-US" smtClean="0"/>
               <a:t>10</a:t>
             </a:fld>
             <a:endParaRPr lang="en-US" dirty="0"/>
@@ -12161,7 +12450,7 @@
 </p:notes>
 </file>
 
-<file path=ppt/notesSlides/notesSlide4.xml><?xml version="1.0" encoding="utf-8"?>
+<file path=ppt/notesSlides/notesSlide5.xml><?xml version="1.0" encoding="utf-8"?>
 <p:notes xmlns:a="http://schemas.openxmlformats.org/drawingml/2006/main" xmlns:r="http://schemas.openxmlformats.org/officeDocument/2006/relationships" xmlns:p="http://schemas.openxmlformats.org/presentationml/2006/main">
   <p:cSld>
     <p:spTree>
@@ -21454,7 +21743,7 @@
             <p:ph type="dgm" sz="quarter" idx="15"/>
             <p:extLst>
               <p:ext uri="{D42A27DB-BD31-4B8C-83A1-F6EECF244321}">
-                <p14:modId xmlns:p14="http://schemas.microsoft.com/office/powerpoint/2010/main" val="66950484"/>
+                <p14:modId xmlns:p14="http://schemas.microsoft.com/office/powerpoint/2010/main" val="677748413"/>
               </p:ext>
             </p:extLst>
           </p:nvPr>
@@ -22313,7 +22602,7 @@
           <p:nvPr/>
         </p:nvPicPr>
         <p:blipFill>
-          <a:blip r:embed="rId2"/>
+          <a:blip r:embed="rId3"/>
           <a:stretch>
             <a:fillRect/>
           </a:stretch>
@@ -22343,7 +22632,7 @@
           <p:nvPr/>
         </p:nvPicPr>
         <p:blipFill>
-          <a:blip r:embed="rId3"/>
+          <a:blip r:embed="rId4"/>
           <a:stretch>
             <a:fillRect/>
           </a:stretch>
@@ -24165,8 +24454,8 @@
         </p:nvSpPr>
         <p:spPr>
           <a:xfrm>
-            <a:off x="2933700" y="2353764"/>
-            <a:ext cx="3924300" cy="2795336"/>
+            <a:off x="2933700" y="2068560"/>
+            <a:ext cx="3924300" cy="2286497"/>
           </a:xfrm>
         </p:spPr>
         <p:txBody>
@@ -24178,7 +24467,7 @@
             </a:pPr>
             <a:r>
               <a:rPr lang="en-US" dirty="0"/>
-              <a:t>Import the dataset</a:t>
+              <a:t>Load the data</a:t>
             </a:r>
           </a:p>
           <a:p>
@@ -24196,14 +24485,8 @@
             </a:pPr>
             <a:r>
               <a:rPr lang="en-US" dirty="0"/>
-              <a:t>Classify the predictor features and target feature</a:t>
-            </a:r>
-          </a:p>
-          <a:p>
-            <a:pPr marL="457200" indent="-457200">
-              <a:buAutoNum type="arabicPeriod"/>
-            </a:pPr>
-            <a:endParaRPr lang="en-US" dirty="0"/>
+              <a:t>Initialize the SVM</a:t>
+            </a:r>
           </a:p>
         </p:txBody>
       </p:sp>
@@ -24324,8 +24607,8 @@
         </p:nvSpPr>
         <p:spPr>
           <a:xfrm>
-            <a:off x="7429500" y="2213729"/>
-            <a:ext cx="3924300" cy="2935371"/>
+            <a:off x="7429500" y="2068560"/>
+            <a:ext cx="3924300" cy="2426531"/>
           </a:xfrm>
           <a:prstGeom prst="rect">
             <a:avLst/>
@@ -24500,29 +24783,26 @@
             </a:lvl9pPr>
           </a:lstStyle>
           <a:p>
-            <a:r>
-              <a:rPr lang="en-US" dirty="0"/>
-              <a:t>4.   Initialize the SVM and fit the training data</a:t>
-            </a:r>
-          </a:p>
-          <a:p>
-            <a:r>
-              <a:rPr lang="en-US" dirty="0"/>
-              <a:t>5.   Predict the classes for the test set</a:t>
-            </a:r>
-          </a:p>
-          <a:p>
-            <a:r>
-              <a:rPr lang="en-US" dirty="0"/>
-              <a:t>6.   Compare the actual data predictions</a:t>
-            </a:r>
-          </a:p>
-          <a:p>
             <a:pPr marL="457200" indent="-457200">
               <a:buFont typeface="Arial" panose="020B0604020202020204" pitchFamily="34" charset="0"/>
-              <a:buAutoNum type="arabicPeriod"/>
+              <a:buAutoNum type="arabicPeriod" startAt="4"/>
             </a:pPr>
-            <a:endParaRPr lang="en-US" dirty="0"/>
+            <a:r>
+              <a:rPr lang="en-US" dirty="0"/>
+              <a:t>Tune the hyperparameters</a:t>
+            </a:r>
+          </a:p>
+          <a:p>
+            <a:r>
+              <a:rPr lang="en-US" dirty="0"/>
+              <a:t>5.   Fit the training data</a:t>
+            </a:r>
+          </a:p>
+          <a:p>
+            <a:r>
+              <a:rPr lang="en-US" dirty="0"/>
+              <a:t>6.   Predict the classes for the test set</a:t>
+            </a:r>
           </a:p>
         </p:txBody>
       </p:sp>
@@ -25331,15 +25611,6 @@
 </file>
 
 <file path=customXml/item1.xml><?xml version="1.0" encoding="utf-8"?>
-<?mso-contentType ?>
-<FormTemplates xmlns="http://schemas.microsoft.com/sharepoint/v3/contenttype/forms">
-  <Display>DocumentLibraryForm</Display>
-  <Edit>DocumentLibraryForm</Edit>
-  <New>DocumentLibraryForm</New>
-</FormTemplates>
-</file>
-
-<file path=customXml/item2.xml><?xml version="1.0" encoding="utf-8"?>
 <p:properties xmlns:p="http://schemas.microsoft.com/office/2006/metadata/properties" xmlns:xsi="http://www.w3.org/2001/XMLSchema-instance" xmlns:pc="http://schemas.microsoft.com/office/infopath/2007/PartnerControls">
   <documentManagement>
     <_ip_UnifiedCompliancePolicyUIAction xmlns="http://schemas.microsoft.com/sharepoint/v3" xsi:nil="true"/>
@@ -25356,6 +25627,15 @@
     <MediaServiceKeyPoints xmlns="71af3243-3dd4-4a8d-8c0d-dd76da1f02a5" xsi:nil="true"/>
   </documentManagement>
 </p:properties>
+</file>
+
+<file path=customXml/item2.xml><?xml version="1.0" encoding="utf-8"?>
+<?mso-contentType ?>
+<FormTemplates xmlns="http://schemas.microsoft.com/sharepoint/v3/contenttype/forms">
+  <Display>DocumentLibraryForm</Display>
+  <Edit>DocumentLibraryForm</Edit>
+  <New>DocumentLibraryForm</New>
+</FormTemplates>
 </file>
 
 <file path=customXml/item3.xml><?xml version="1.0" encoding="utf-8"?>
@@ -25635,14 +25915,6 @@
 </file>
 
 <file path=customXml/itemProps1.xml><?xml version="1.0" encoding="utf-8"?>
-<ds:datastoreItem xmlns:ds="http://schemas.openxmlformats.org/officeDocument/2006/customXml" ds:itemID="{0FD6FE22-81A0-4500-AFD0-342D21BB9A2C}">
-  <ds:schemaRefs>
-    <ds:schemaRef ds:uri="http://schemas.microsoft.com/sharepoint/v3/contenttype/forms"/>
-  </ds:schemaRefs>
-</ds:datastoreItem>
-</file>
-
-<file path=customXml/itemProps2.xml><?xml version="1.0" encoding="utf-8"?>
 <ds:datastoreItem xmlns:ds="http://schemas.openxmlformats.org/officeDocument/2006/customXml" ds:itemID="{29C43685-694E-4579-B109-3C418D49DA65}">
   <ds:schemaRefs>
     <ds:schemaRef ds:uri="http://schemas.microsoft.com/office/2006/metadata/properties"/>
@@ -25650,6 +25922,14 @@
     <ds:schemaRef ds:uri="http://schemas.microsoft.com/sharepoint/v3"/>
     <ds:schemaRef ds:uri="71af3243-3dd4-4a8d-8c0d-dd76da1f02a5"/>
     <ds:schemaRef ds:uri="230e9df3-be65-4c73-a93b-d1236ebd677e"/>
+  </ds:schemaRefs>
+</ds:datastoreItem>
+</file>
+
+<file path=customXml/itemProps2.xml><?xml version="1.0" encoding="utf-8"?>
+<ds:datastoreItem xmlns:ds="http://schemas.openxmlformats.org/officeDocument/2006/customXml" ds:itemID="{0FD6FE22-81A0-4500-AFD0-342D21BB9A2C}">
+  <ds:schemaRefs>
+    <ds:schemaRef ds:uri="http://schemas.microsoft.com/sharepoint/v3/contenttype/forms"/>
   </ds:schemaRefs>
 </ds:datastoreItem>
 </file>
